--- a/PPT/FFmpeg Demux.pptx
+++ b/PPT/FFmpeg Demux.pptx
@@ -12,7 +12,9 @@
     <p:sldId id="264" r:id="rId6"/>
     <p:sldId id="267" r:id="rId7"/>
     <p:sldId id="266" r:id="rId8"/>
-    <p:sldId id="262" r:id="rId9"/>
+    <p:sldId id="269" r:id="rId9"/>
+    <p:sldId id="270" r:id="rId10"/>
+    <p:sldId id="262" r:id="rId11"/>
   </p:sldIdLst>
   <p:sldSz cx="12192000" cy="6858000"/>
   <p:notesSz cx="6858000" cy="9144000"/>
@@ -350,7 +352,7 @@
           <p:cNvPr id="5" name="图片 4">
             <a:extLst>
               <a:ext uri="{FF2B5EF4-FFF2-40B4-BE49-F238E27FC236}">
-                <a16:creationId xmlns:a16="http://schemas.microsoft.com/office/drawing/2014/main" xmlns="" id="{D8F29E28-3383-EC4B-8CEE-64C78C70C2B5}"/>
+                <a16:creationId xmlns="" xmlns:a16="http://schemas.microsoft.com/office/drawing/2014/main" id="{D8F29E28-3383-EC4B-8CEE-64C78C70C2B5}"/>
               </a:ext>
             </a:extLst>
           </p:cNvPr>
@@ -645,7 +647,7 @@
           <p:cNvPr id="5" name="组合 4">
             <a:extLst>
               <a:ext uri="{FF2B5EF4-FFF2-40B4-BE49-F238E27FC236}">
-                <a16:creationId xmlns:a16="http://schemas.microsoft.com/office/drawing/2014/main" xmlns="" id="{AB313482-0071-1142-AF54-63A6BE03E425}"/>
+                <a16:creationId xmlns="" xmlns:a16="http://schemas.microsoft.com/office/drawing/2014/main" id="{AB313482-0071-1142-AF54-63A6BE03E425}"/>
               </a:ext>
             </a:extLst>
           </p:cNvPr>
@@ -711,7 +713,7 @@
             <p:cNvPr id="6" name="图片 5">
               <a:extLst>
                 <a:ext uri="{FF2B5EF4-FFF2-40B4-BE49-F238E27FC236}">
-                  <a16:creationId xmlns:a16="http://schemas.microsoft.com/office/drawing/2014/main" xmlns="" id="{7C832BA5-0115-4D4E-89B0-C288AC9F0761}"/>
+                  <a16:creationId xmlns="" xmlns:a16="http://schemas.microsoft.com/office/drawing/2014/main" id="{7C832BA5-0115-4D4E-89B0-C288AC9F0761}"/>
                 </a:ext>
               </a:extLst>
             </p:cNvPr>
@@ -748,7 +750,7 @@
           <p:cNvPr id="9" name="矩形 8">
             <a:extLst>
               <a:ext uri="{FF2B5EF4-FFF2-40B4-BE49-F238E27FC236}">
-                <a16:creationId xmlns:a16="http://schemas.microsoft.com/office/drawing/2014/main" xmlns="" id="{77E86F90-C034-AE42-A96C-4017F6EF3D13}"/>
+                <a16:creationId xmlns="" xmlns:a16="http://schemas.microsoft.com/office/drawing/2014/main" id="{77E86F90-C034-AE42-A96C-4017F6EF3D13}"/>
               </a:ext>
             </a:extLst>
           </p:cNvPr>
@@ -849,7 +851,7 @@
           <p:cNvPr id="5" name="日期占位符 2">
             <a:extLst>
               <a:ext uri="{FF2B5EF4-FFF2-40B4-BE49-F238E27FC236}">
-                <a16:creationId xmlns:a16="http://schemas.microsoft.com/office/drawing/2014/main" xmlns="" id="{37E1FE39-26AF-3A45-906C-07E56C92E547}"/>
+                <a16:creationId xmlns="" xmlns:a16="http://schemas.microsoft.com/office/drawing/2014/main" id="{37E1FE39-26AF-3A45-906C-07E56C92E547}"/>
               </a:ext>
             </a:extLst>
           </p:cNvPr>
@@ -876,7 +878,7 @@
             <a:fld id="{E464397B-F195-431B-A77B-CBC18328D7B0}" type="datetimeFigureOut">
               <a:rPr lang="zh-CN" altLang="en-US" smtClean="0"/>
               <a:pPr/>
-              <a:t>2018/10/16</a:t>
+              <a:t>2018/10/17</a:t>
             </a:fld>
             <a:endParaRPr lang="zh-CN" altLang="en-US"/>
           </a:p>
@@ -887,7 +889,7 @@
           <p:cNvPr id="6" name="页脚占位符 3">
             <a:extLst>
               <a:ext uri="{FF2B5EF4-FFF2-40B4-BE49-F238E27FC236}">
-                <a16:creationId xmlns:a16="http://schemas.microsoft.com/office/drawing/2014/main" xmlns="" id="{8D7B2146-1535-844F-B761-CC457D0E25FE}"/>
+                <a16:creationId xmlns="" xmlns:a16="http://schemas.microsoft.com/office/drawing/2014/main" id="{8D7B2146-1535-844F-B761-CC457D0E25FE}"/>
               </a:ext>
             </a:extLst>
           </p:cNvPr>
@@ -920,7 +922,7 @@
           <p:cNvPr id="7" name="灯片编号占位符 4">
             <a:extLst>
               <a:ext uri="{FF2B5EF4-FFF2-40B4-BE49-F238E27FC236}">
-                <a16:creationId xmlns:a16="http://schemas.microsoft.com/office/drawing/2014/main" xmlns="" id="{B0C92930-71B6-2946-8BD0-E51BC6DB98B9}"/>
+                <a16:creationId xmlns="" xmlns:a16="http://schemas.microsoft.com/office/drawing/2014/main" id="{B0C92930-71B6-2946-8BD0-E51BC6DB98B9}"/>
               </a:ext>
             </a:extLst>
           </p:cNvPr>
@@ -1360,6 +1362,43 @@
 </p:sld>
 </file>
 
+<file path=ppt/slides/slide10.xml><?xml version="1.0" encoding="utf-8"?>
+<p:sld xmlns:a="http://schemas.openxmlformats.org/drawingml/2006/main" xmlns:r="http://schemas.openxmlformats.org/officeDocument/2006/relationships" xmlns:p="http://schemas.openxmlformats.org/presentationml/2006/main">
+  <p:cSld>
+    <p:spTree>
+      <p:nvGrpSpPr>
+        <p:cNvPr id="1" name=""/>
+        <p:cNvGrpSpPr/>
+        <p:nvPr/>
+      </p:nvGrpSpPr>
+      <p:grpSpPr>
+        <a:xfrm>
+          <a:off x="0" y="0"/>
+          <a:ext cx="0" cy="0"/>
+          <a:chOff x="0" y="0"/>
+          <a:chExt cx="0" cy="0"/>
+        </a:xfrm>
+      </p:grpSpPr>
+    </p:spTree>
+    <p:extLst>
+      <p:ext uri="{BB962C8B-B14F-4D97-AF65-F5344CB8AC3E}">
+        <p14:creationId xmlns:p14="http://schemas.microsoft.com/office/powerpoint/2010/main" val="73035655"/>
+      </p:ext>
+    </p:extLst>
+  </p:cSld>
+  <p:clrMapOvr>
+    <a:masterClrMapping/>
+  </p:clrMapOvr>
+  <p:timing>
+    <p:tnLst>
+      <p:par>
+        <p:cTn id="1" dur="indefinite" restart="never" nodeType="tmRoot"/>
+      </p:par>
+    </p:tnLst>
+  </p:timing>
+</p:sld>
+</file>
+
 <file path=ppt/slides/slide2.xml><?xml version="1.0" encoding="utf-8"?>
 <p:sld xmlns:a="http://schemas.openxmlformats.org/drawingml/2006/main" xmlns:r="http://schemas.openxmlformats.org/officeDocument/2006/relationships" xmlns:p="http://schemas.openxmlformats.org/presentationml/2006/main">
   <p:cSld>
@@ -1428,7 +1467,6 @@
               <a:rPr lang="en-US" altLang="zh-CN" dirty="0" smtClean="0"/>
               <a:t> </a:t>
             </a:r>
-            <a:endParaRPr lang="en-US" altLang="zh-CN" dirty="0" smtClean="0"/>
           </a:p>
           <a:p>
             <a:endParaRPr lang="en-US" altLang="zh-CN" dirty="0"/>
@@ -3030,8 +3068,8 @@
         </p:blipFill>
         <p:spPr>
           <a:xfrm>
-            <a:off x="595312" y="1728556"/>
-            <a:ext cx="10391775" cy="4676775"/>
+            <a:off x="0" y="1728556"/>
+            <a:ext cx="8949033" cy="4027475"/>
           </a:xfrm>
           <a:prstGeom prst="rect">
             <a:avLst/>
@@ -3133,6 +3171,73 @@
               <a:t> **options)</a:t>
             </a:r>
             <a:endParaRPr lang="zh-CN" altLang="en-US" sz="1200" dirty="0"/>
+          </a:p>
+        </p:txBody>
+      </p:sp>
+      <p:sp>
+        <p:nvSpPr>
+          <p:cNvPr id="4" name="文本框 3"/>
+          <p:cNvSpPr txBox="1"/>
+          <p:nvPr/>
+        </p:nvSpPr>
+        <p:spPr>
+          <a:xfrm>
+            <a:off x="9284393" y="2432941"/>
+            <a:ext cx="2267163" cy="1754326"/>
+          </a:xfrm>
+          <a:prstGeom prst="rect">
+            <a:avLst/>
+          </a:prstGeom>
+          <a:noFill/>
+        </p:spPr>
+        <p:txBody>
+          <a:bodyPr wrap="square" rtlCol="0">
+            <a:spAutoFit/>
+          </a:bodyPr>
+          <a:lstStyle/>
+          <a:p>
+            <a:r>
+              <a:rPr lang="en-US" altLang="zh-CN" dirty="0" smtClean="0"/>
+              <a:t>1.</a:t>
+            </a:r>
+            <a:r>
+              <a:rPr lang="zh-CN" altLang="en-US" dirty="0" smtClean="0"/>
+              <a:t>完成文件协议的选择</a:t>
+            </a:r>
+            <a:endParaRPr lang="en-US" altLang="zh-CN" dirty="0" smtClean="0"/>
+          </a:p>
+          <a:p>
+            <a:r>
+              <a:rPr lang="en-US" altLang="zh-CN" dirty="0" smtClean="0"/>
+              <a:t>2.</a:t>
+            </a:r>
+            <a:r>
+              <a:rPr lang="zh-CN" altLang="en-US" dirty="0" smtClean="0"/>
+              <a:t>完成</a:t>
+            </a:r>
+            <a:r>
+              <a:rPr lang="en-US" altLang="zh-CN" dirty="0" err="1" smtClean="0"/>
+              <a:t>io</a:t>
+            </a:r>
+            <a:r>
+              <a:rPr lang="zh-CN" altLang="en-US" dirty="0" smtClean="0"/>
+              <a:t>缓存的准备</a:t>
+            </a:r>
+            <a:endParaRPr lang="en-US" altLang="zh-CN" dirty="0" smtClean="0"/>
+          </a:p>
+          <a:p>
+            <a:r>
+              <a:rPr lang="en-US" altLang="zh-CN" dirty="0" smtClean="0"/>
+              <a:t>3.</a:t>
+            </a:r>
+            <a:r>
+              <a:rPr lang="zh-CN" altLang="en-US" dirty="0" smtClean="0"/>
+              <a:t>完成封装类型的探测。</a:t>
+            </a:r>
+            <a:endParaRPr lang="en-US" altLang="zh-CN" dirty="0" smtClean="0"/>
+          </a:p>
+          <a:p>
+            <a:endParaRPr lang="zh-CN" altLang="en-US" dirty="0"/>
           </a:p>
         </p:txBody>
       </p:sp>
@@ -3365,9 +3470,75 @@
           </a:p>
         </p:txBody>
       </p:sp>
+      <p:sp>
+        <p:nvSpPr>
+          <p:cNvPr id="5" name="文本框 4"/>
+          <p:cNvSpPr txBox="1"/>
+          <p:nvPr/>
+        </p:nvSpPr>
+        <p:spPr>
+          <a:xfrm>
+            <a:off x="540118" y="1262770"/>
+            <a:ext cx="5411866" cy="369332"/>
+          </a:xfrm>
+          <a:prstGeom prst="rect">
+            <a:avLst/>
+          </a:prstGeom>
+          <a:noFill/>
+        </p:spPr>
+        <p:txBody>
+          <a:bodyPr wrap="none" rtlCol="0">
+            <a:spAutoFit/>
+          </a:bodyPr>
+          <a:lstStyle/>
+          <a:p>
+            <a:r>
+              <a:rPr lang="en-US" altLang="zh-CN" dirty="0" err="1"/>
+              <a:t>int</a:t>
+            </a:r>
+            <a:r>
+              <a:rPr lang="en-US" altLang="zh-CN" dirty="0"/>
+              <a:t> </a:t>
+            </a:r>
+            <a:r>
+              <a:rPr lang="en-US" altLang="zh-CN" dirty="0" err="1"/>
+              <a:t>av_read_frame</a:t>
+            </a:r>
+            <a:r>
+              <a:rPr lang="en-US" altLang="zh-CN" dirty="0"/>
+              <a:t>(</a:t>
+            </a:r>
+            <a:r>
+              <a:rPr lang="en-US" altLang="zh-CN" dirty="0" err="1"/>
+              <a:t>AVFormatContext</a:t>
+            </a:r>
+            <a:r>
+              <a:rPr lang="en-US" altLang="zh-CN" dirty="0"/>
+              <a:t> *s, </a:t>
+            </a:r>
+            <a:r>
+              <a:rPr lang="en-US" altLang="zh-CN" dirty="0" err="1"/>
+              <a:t>AVPacket</a:t>
+            </a:r>
+            <a:r>
+              <a:rPr lang="en-US" altLang="zh-CN" dirty="0"/>
+              <a:t> *</a:t>
+            </a:r>
+            <a:r>
+              <a:rPr lang="en-US" altLang="zh-CN" dirty="0" err="1"/>
+              <a:t>pkt</a:t>
+            </a:r>
+            <a:r>
+              <a:rPr lang="en-US" altLang="zh-CN" dirty="0"/>
+              <a:t>)</a:t>
+            </a:r>
+            <a:endParaRPr lang="zh-CN" altLang="en-US" dirty="0"/>
+          </a:p>
+        </p:txBody>
+      </p:sp>
       <p:pic>
         <p:nvPicPr>
-          <p:cNvPr id="4" name="内容占位符 3"/>
+          <p:cNvPr id="6" name="内容占位符 5"/>
           <p:cNvPicPr>
             <a:picLocks noGrp="1" noChangeAspect="1"/>
           </p:cNvPicPr>
@@ -3389,21 +3560,21 @@
         </p:blipFill>
         <p:spPr>
           <a:xfrm>
-            <a:off x="241228" y="1962150"/>
-            <a:ext cx="6316930" cy="4895850"/>
+            <a:off x="540118" y="1632102"/>
+            <a:ext cx="5580216" cy="4895850"/>
           </a:xfrm>
         </p:spPr>
       </p:pic>
       <p:sp>
         <p:nvSpPr>
-          <p:cNvPr id="5" name="文本框 4"/>
+          <p:cNvPr id="7" name="文本框 6"/>
           <p:cNvSpPr txBox="1"/>
           <p:nvPr/>
         </p:nvSpPr>
         <p:spPr>
           <a:xfrm>
-            <a:off x="540118" y="1262770"/>
-            <a:ext cx="5411866" cy="369332"/>
+            <a:off x="7132320" y="2673531"/>
+            <a:ext cx="3213463" cy="2031325"/>
           </a:xfrm>
           <a:prstGeom prst="rect">
             <a:avLst/>
@@ -3411,50 +3582,41 @@
           <a:noFill/>
         </p:spPr>
         <p:txBody>
-          <a:bodyPr wrap="none" rtlCol="0">
+          <a:bodyPr wrap="square" rtlCol="0">
             <a:spAutoFit/>
           </a:bodyPr>
           <a:lstStyle/>
           <a:p>
             <a:r>
-              <a:rPr lang="en-US" altLang="zh-CN" dirty="0" err="1"/>
-              <a:t>int</a:t>
-            </a:r>
-            <a:r>
-              <a:rPr lang="en-US" altLang="zh-CN" dirty="0"/>
-              <a:t> </a:t>
-            </a:r>
-            <a:r>
-              <a:rPr lang="en-US" altLang="zh-CN" dirty="0" err="1"/>
-              <a:t>av_read_frame</a:t>
-            </a:r>
-            <a:r>
-              <a:rPr lang="en-US" altLang="zh-CN" dirty="0"/>
-              <a:t>(</a:t>
-            </a:r>
-            <a:r>
-              <a:rPr lang="en-US" altLang="zh-CN" dirty="0" err="1"/>
-              <a:t>AVFormatContext</a:t>
-            </a:r>
-            <a:r>
-              <a:rPr lang="en-US" altLang="zh-CN" dirty="0"/>
-              <a:t> *s, </a:t>
-            </a:r>
-            <a:r>
-              <a:rPr lang="en-US" altLang="zh-CN" dirty="0" err="1"/>
-              <a:t>AVPacket</a:t>
-            </a:r>
-            <a:r>
-              <a:rPr lang="en-US" altLang="zh-CN" dirty="0"/>
-              <a:t> *</a:t>
-            </a:r>
-            <a:r>
-              <a:rPr lang="en-US" altLang="zh-CN" dirty="0" err="1"/>
-              <a:t>pkt</a:t>
-            </a:r>
-            <a:r>
-              <a:rPr lang="en-US" altLang="zh-CN" dirty="0"/>
-              <a:t>)</a:t>
+              <a:rPr lang="zh-CN" altLang="en-US" dirty="0" smtClean="0"/>
+              <a:t>左侧分支，最终调用到</a:t>
+            </a:r>
+            <a:r>
+              <a:rPr lang="en-US" altLang="zh-CN" dirty="0" err="1" smtClean="0"/>
+              <a:t>mpegts</a:t>
+            </a:r>
+            <a:r>
+              <a:rPr lang="zh-CN" altLang="en-US" dirty="0" smtClean="0"/>
+              <a:t>的处理逻辑，其中是可以正常解析到时间戳等信息。</a:t>
+            </a:r>
+            <a:endParaRPr lang="en-US" altLang="zh-CN" dirty="0" smtClean="0"/>
+          </a:p>
+          <a:p>
+            <a:r>
+              <a:rPr lang="zh-CN" altLang="en-US" dirty="0" smtClean="0"/>
+              <a:t>右侧分支，是对从</a:t>
+            </a:r>
+            <a:r>
+              <a:rPr lang="en-US" altLang="zh-CN" dirty="0" err="1" smtClean="0"/>
+              <a:t>mpegts</a:t>
+            </a:r>
+            <a:r>
+              <a:rPr lang="zh-CN" altLang="en-US" dirty="0" smtClean="0"/>
+              <a:t>读取到的数据的解析，解析结束后，时间戳的信息可能变为</a:t>
+            </a:r>
+            <a:r>
+              <a:rPr lang="en-US" altLang="zh-CN" dirty="0" smtClean="0"/>
+              <a:t>PTS_NOVALUE</a:t>
             </a:r>
             <a:endParaRPr lang="zh-CN" altLang="en-US" dirty="0"/>
           </a:p>
@@ -3490,23 +3652,292 @@
           <a:chExt cx="0" cy="0"/>
         </a:xfrm>
       </p:grpSpPr>
+      <p:sp>
+        <p:nvSpPr>
+          <p:cNvPr id="2" name="标题 1"/>
+          <p:cNvSpPr>
+            <a:spLocks noGrp="1"/>
+          </p:cNvSpPr>
+          <p:nvPr>
+            <p:ph type="title"/>
+          </p:nvPr>
+        </p:nvSpPr>
+        <p:spPr/>
+        <p:txBody>
+          <a:bodyPr/>
+          <a:lstStyle/>
+          <a:p>
+            <a:r>
+              <a:rPr lang="en-US" altLang="zh-CN" dirty="0" err="1"/>
+              <a:t>av_interleaved_write_frame</a:t>
+            </a:r>
+            <a:endParaRPr lang="zh-CN" altLang="en-US" dirty="0"/>
+          </a:p>
+        </p:txBody>
+      </p:sp>
+      <p:pic>
+        <p:nvPicPr>
+          <p:cNvPr id="4" name="内容占位符 3"/>
+          <p:cNvPicPr>
+            <a:picLocks noGrp="1" noChangeAspect="1"/>
+          </p:cNvPicPr>
+          <p:nvPr>
+            <p:ph idx="1"/>
+          </p:nvPr>
+        </p:nvPicPr>
+        <p:blipFill>
+          <a:blip r:embed="rId2">
+            <a:extLst>
+              <a:ext uri="{28A0092B-C50C-407E-A947-70E740481C1C}">
+                <a14:useLocalDpi xmlns:a14="http://schemas.microsoft.com/office/drawing/2010/main" val="0"/>
+              </a:ext>
+            </a:extLst>
+          </a:blip>
+          <a:stretch>
+            <a:fillRect/>
+          </a:stretch>
+        </p:blipFill>
+        <p:spPr>
+          <a:xfrm>
+            <a:off x="755065" y="1804857"/>
+            <a:ext cx="5845027" cy="4430530"/>
+          </a:xfrm>
+        </p:spPr>
+      </p:pic>
+      <p:sp>
+        <p:nvSpPr>
+          <p:cNvPr id="5" name="文本框 4"/>
+          <p:cNvSpPr txBox="1"/>
+          <p:nvPr/>
+        </p:nvSpPr>
+        <p:spPr>
+          <a:xfrm>
+            <a:off x="335360" y="1184124"/>
+            <a:ext cx="8979877" cy="369332"/>
+          </a:xfrm>
+          <a:prstGeom prst="rect">
+            <a:avLst/>
+          </a:prstGeom>
+          <a:noFill/>
+        </p:spPr>
+        <p:txBody>
+          <a:bodyPr wrap="square" rtlCol="0">
+            <a:spAutoFit/>
+          </a:bodyPr>
+          <a:lstStyle/>
+          <a:p>
+            <a:r>
+              <a:rPr lang="en-US" altLang="zh-CN" dirty="0" err="1"/>
+              <a:t>int</a:t>
+            </a:r>
+            <a:r>
+              <a:rPr lang="en-US" altLang="zh-CN" dirty="0"/>
+              <a:t> </a:t>
+            </a:r>
+            <a:r>
+              <a:rPr lang="en-US" altLang="zh-CN" dirty="0" err="1"/>
+              <a:t>av_interleaved_write_frame</a:t>
+            </a:r>
+            <a:r>
+              <a:rPr lang="en-US" altLang="zh-CN" dirty="0"/>
+              <a:t>(</a:t>
+            </a:r>
+            <a:r>
+              <a:rPr lang="en-US" altLang="zh-CN" dirty="0" err="1"/>
+              <a:t>AVFormatContext</a:t>
+            </a:r>
+            <a:r>
+              <a:rPr lang="en-US" altLang="zh-CN" dirty="0"/>
+              <a:t> *s, </a:t>
+            </a:r>
+            <a:r>
+              <a:rPr lang="en-US" altLang="zh-CN" dirty="0" err="1"/>
+              <a:t>AVPacket</a:t>
+            </a:r>
+            <a:r>
+              <a:rPr lang="en-US" altLang="zh-CN" dirty="0"/>
+              <a:t> *</a:t>
+            </a:r>
+            <a:r>
+              <a:rPr lang="en-US" altLang="zh-CN" dirty="0" err="1"/>
+              <a:t>pkt</a:t>
+            </a:r>
+            <a:r>
+              <a:rPr lang="en-US" altLang="zh-CN" dirty="0"/>
+              <a:t>)</a:t>
+            </a:r>
+            <a:endParaRPr lang="zh-CN" altLang="en-US" dirty="0"/>
+          </a:p>
+        </p:txBody>
+      </p:sp>
+      <p:sp>
+        <p:nvSpPr>
+          <p:cNvPr id="6" name="文本框 5"/>
+          <p:cNvSpPr txBox="1"/>
+          <p:nvPr/>
+        </p:nvSpPr>
+        <p:spPr>
+          <a:xfrm>
+            <a:off x="7995138" y="2379785"/>
+            <a:ext cx="2895600" cy="923330"/>
+          </a:xfrm>
+          <a:prstGeom prst="rect">
+            <a:avLst/>
+          </a:prstGeom>
+          <a:noFill/>
+        </p:spPr>
+        <p:txBody>
+          <a:bodyPr wrap="square" rtlCol="0">
+            <a:spAutoFit/>
+          </a:bodyPr>
+          <a:lstStyle/>
+          <a:p>
+            <a:r>
+              <a:rPr lang="zh-CN" altLang="en-US" dirty="0" smtClean="0"/>
+              <a:t>只要保证参数无误，尤其是</a:t>
+            </a:r>
+            <a:r>
+              <a:rPr lang="en-US" altLang="zh-CN" dirty="0" err="1" smtClean="0"/>
+              <a:t>dts</a:t>
+            </a:r>
+            <a:r>
+              <a:rPr lang="zh-CN" altLang="en-US" dirty="0" smtClean="0"/>
+              <a:t>间隔递增，都可以正常写入。</a:t>
+            </a:r>
+            <a:endParaRPr lang="zh-CN" altLang="en-US" dirty="0"/>
+          </a:p>
+        </p:txBody>
+      </p:sp>
     </p:spTree>
     <p:extLst>
       <p:ext uri="{BB962C8B-B14F-4D97-AF65-F5344CB8AC3E}">
-        <p14:creationId xmlns:p14="http://schemas.microsoft.com/office/powerpoint/2010/main" val="73035655"/>
+        <p14:creationId xmlns:p14="http://schemas.microsoft.com/office/powerpoint/2010/main" val="3277035201"/>
       </p:ext>
     </p:extLst>
   </p:cSld>
   <p:clrMapOvr>
     <a:masterClrMapping/>
   </p:clrMapOvr>
-  <p:timing>
-    <p:tnLst>
-      <p:par>
-        <p:cTn id="1" dur="indefinite" restart="never" nodeType="tmRoot"/>
-      </p:par>
-    </p:tnLst>
-  </p:timing>
+</p:sld>
+</file>
+
+<file path=ppt/slides/slide9.xml><?xml version="1.0" encoding="utf-8"?>
+<p:sld xmlns:a="http://schemas.openxmlformats.org/drawingml/2006/main" xmlns:r="http://schemas.openxmlformats.org/officeDocument/2006/relationships" xmlns:p="http://schemas.openxmlformats.org/presentationml/2006/main">
+  <p:cSld>
+    <p:spTree>
+      <p:nvGrpSpPr>
+        <p:cNvPr id="1" name=""/>
+        <p:cNvGrpSpPr/>
+        <p:nvPr/>
+      </p:nvGrpSpPr>
+      <p:grpSpPr>
+        <a:xfrm>
+          <a:off x="0" y="0"/>
+          <a:ext cx="0" cy="0"/>
+          <a:chOff x="0" y="0"/>
+          <a:chExt cx="0" cy="0"/>
+        </a:xfrm>
+      </p:grpSpPr>
+      <p:sp>
+        <p:nvSpPr>
+          <p:cNvPr id="2" name="标题 1"/>
+          <p:cNvSpPr>
+            <a:spLocks noGrp="1"/>
+          </p:cNvSpPr>
+          <p:nvPr>
+            <p:ph type="title"/>
+          </p:nvPr>
+        </p:nvSpPr>
+        <p:spPr>
+          <a:xfrm>
+            <a:off x="335360" y="157408"/>
+            <a:ext cx="11233248" cy="658084"/>
+          </a:xfrm>
+        </p:spPr>
+        <p:txBody>
+          <a:bodyPr/>
+          <a:lstStyle/>
+          <a:p>
+            <a:r>
+              <a:rPr lang="zh-CN" altLang="en-US" dirty="0" smtClean="0"/>
+              <a:t>总结</a:t>
+            </a:r>
+            <a:endParaRPr lang="zh-CN" altLang="en-US" dirty="0"/>
+          </a:p>
+        </p:txBody>
+      </p:sp>
+      <p:sp>
+        <p:nvSpPr>
+          <p:cNvPr id="3" name="内容占位符 2"/>
+          <p:cNvSpPr>
+            <a:spLocks noGrp="1"/>
+          </p:cNvSpPr>
+          <p:nvPr>
+            <p:ph idx="1"/>
+          </p:nvPr>
+        </p:nvSpPr>
+        <p:spPr/>
+        <p:txBody>
+          <a:bodyPr>
+            <a:normAutofit/>
+          </a:bodyPr>
+          <a:lstStyle/>
+          <a:p>
+            <a:pPr marL="0" indent="0">
+              <a:buNone/>
+            </a:pPr>
+            <a:r>
+              <a:rPr lang="zh-CN" altLang="en-US" sz="2000" dirty="0" smtClean="0"/>
+              <a:t>缺点：</a:t>
+            </a:r>
+            <a:endParaRPr lang="en-US" altLang="zh-CN" sz="2000" dirty="0" smtClean="0"/>
+          </a:p>
+          <a:p>
+            <a:r>
+              <a:rPr lang="zh-CN" altLang="en-US" sz="2000" dirty="0" smtClean="0"/>
+              <a:t>调用层次深、涉及逻辑多。</a:t>
+            </a:r>
+            <a:endParaRPr lang="en-US" altLang="zh-CN" sz="2000" dirty="0" smtClean="0"/>
+          </a:p>
+          <a:p>
+            <a:r>
+              <a:rPr lang="zh-CN" altLang="en-US" sz="2000" dirty="0" smtClean="0"/>
+              <a:t>细节的地方，很难了解到。</a:t>
+            </a:r>
+            <a:endParaRPr lang="en-US" altLang="zh-CN" sz="2000" dirty="0" smtClean="0"/>
+          </a:p>
+          <a:p>
+            <a:endParaRPr lang="en-US" altLang="zh-CN" sz="2000" dirty="0"/>
+          </a:p>
+          <a:p>
+            <a:pPr marL="0" indent="0">
+              <a:buNone/>
+            </a:pPr>
+            <a:r>
+              <a:rPr lang="zh-CN" altLang="en-US" sz="2000" dirty="0" smtClean="0"/>
+              <a:t>优点：</a:t>
+            </a:r>
+            <a:endParaRPr lang="en-US" altLang="zh-CN" sz="2000" dirty="0" smtClean="0"/>
+          </a:p>
+          <a:p>
+            <a:r>
+              <a:rPr lang="zh-CN" altLang="en-US" sz="2000" dirty="0" smtClean="0"/>
+              <a:t>对多媒体业务覆盖全面，对一些未知新业务可以在短时间内支持上。</a:t>
+            </a:r>
+            <a:endParaRPr lang="zh-CN" altLang="en-US" sz="2000" dirty="0"/>
+          </a:p>
+        </p:txBody>
+      </p:sp>
+    </p:spTree>
+    <p:extLst>
+      <p:ext uri="{BB962C8B-B14F-4D97-AF65-F5344CB8AC3E}">
+        <p14:creationId xmlns:p14="http://schemas.microsoft.com/office/powerpoint/2010/main" val="3961391933"/>
+      </p:ext>
+    </p:extLst>
+  </p:cSld>
+  <p:clrMapOvr>
+    <a:masterClrMapping/>
+  </p:clrMapOvr>
 </p:sld>
 </file>
 

--- a/PPT/FFmpeg Demux.pptx
+++ b/PPT/FFmpeg Demux.pptx
@@ -352,7 +352,7 @@
           <p:cNvPr id="5" name="图片 4">
             <a:extLst>
               <a:ext uri="{FF2B5EF4-FFF2-40B4-BE49-F238E27FC236}">
-                <a16:creationId xmlns="" xmlns:a16="http://schemas.microsoft.com/office/drawing/2014/main" id="{D8F29E28-3383-EC4B-8CEE-64C78C70C2B5}"/>
+                <a16:creationId xmlns:a16="http://schemas.microsoft.com/office/drawing/2014/main" xmlns="" id="{D8F29E28-3383-EC4B-8CEE-64C78C70C2B5}"/>
               </a:ext>
             </a:extLst>
           </p:cNvPr>
@@ -647,7 +647,7 @@
           <p:cNvPr id="5" name="组合 4">
             <a:extLst>
               <a:ext uri="{FF2B5EF4-FFF2-40B4-BE49-F238E27FC236}">
-                <a16:creationId xmlns="" xmlns:a16="http://schemas.microsoft.com/office/drawing/2014/main" id="{AB313482-0071-1142-AF54-63A6BE03E425}"/>
+                <a16:creationId xmlns:a16="http://schemas.microsoft.com/office/drawing/2014/main" xmlns="" id="{AB313482-0071-1142-AF54-63A6BE03E425}"/>
               </a:ext>
             </a:extLst>
           </p:cNvPr>
@@ -713,7 +713,7 @@
             <p:cNvPr id="6" name="图片 5">
               <a:extLst>
                 <a:ext uri="{FF2B5EF4-FFF2-40B4-BE49-F238E27FC236}">
-                  <a16:creationId xmlns="" xmlns:a16="http://schemas.microsoft.com/office/drawing/2014/main" id="{7C832BA5-0115-4D4E-89B0-C288AC9F0761}"/>
+                  <a16:creationId xmlns:a16="http://schemas.microsoft.com/office/drawing/2014/main" xmlns="" id="{7C832BA5-0115-4D4E-89B0-C288AC9F0761}"/>
                 </a:ext>
               </a:extLst>
             </p:cNvPr>
@@ -750,7 +750,7 @@
           <p:cNvPr id="9" name="矩形 8">
             <a:extLst>
               <a:ext uri="{FF2B5EF4-FFF2-40B4-BE49-F238E27FC236}">
-                <a16:creationId xmlns="" xmlns:a16="http://schemas.microsoft.com/office/drawing/2014/main" id="{77E86F90-C034-AE42-A96C-4017F6EF3D13}"/>
+                <a16:creationId xmlns:a16="http://schemas.microsoft.com/office/drawing/2014/main" xmlns="" id="{77E86F90-C034-AE42-A96C-4017F6EF3D13}"/>
               </a:ext>
             </a:extLst>
           </p:cNvPr>
@@ -851,7 +851,7 @@
           <p:cNvPr id="5" name="日期占位符 2">
             <a:extLst>
               <a:ext uri="{FF2B5EF4-FFF2-40B4-BE49-F238E27FC236}">
-                <a16:creationId xmlns="" xmlns:a16="http://schemas.microsoft.com/office/drawing/2014/main" id="{37E1FE39-26AF-3A45-906C-07E56C92E547}"/>
+                <a16:creationId xmlns:a16="http://schemas.microsoft.com/office/drawing/2014/main" xmlns="" id="{37E1FE39-26AF-3A45-906C-07E56C92E547}"/>
               </a:ext>
             </a:extLst>
           </p:cNvPr>
@@ -889,7 +889,7 @@
           <p:cNvPr id="6" name="页脚占位符 3">
             <a:extLst>
               <a:ext uri="{FF2B5EF4-FFF2-40B4-BE49-F238E27FC236}">
-                <a16:creationId xmlns="" xmlns:a16="http://schemas.microsoft.com/office/drawing/2014/main" id="{8D7B2146-1535-844F-B761-CC457D0E25FE}"/>
+                <a16:creationId xmlns:a16="http://schemas.microsoft.com/office/drawing/2014/main" xmlns="" id="{8D7B2146-1535-844F-B761-CC457D0E25FE}"/>
               </a:ext>
             </a:extLst>
           </p:cNvPr>
@@ -922,7 +922,7 @@
           <p:cNvPr id="7" name="灯片编号占位符 4">
             <a:extLst>
               <a:ext uri="{FF2B5EF4-FFF2-40B4-BE49-F238E27FC236}">
-                <a16:creationId xmlns="" xmlns:a16="http://schemas.microsoft.com/office/drawing/2014/main" id="{B0C92930-71B6-2946-8BD0-E51BC6DB98B9}"/>
+                <a16:creationId xmlns:a16="http://schemas.microsoft.com/office/drawing/2014/main" xmlns="" id="{B0C92930-71B6-2946-8BD0-E51BC6DB98B9}"/>
               </a:ext>
             </a:extLst>
           </p:cNvPr>
@@ -3779,7 +3779,7 @@
         <p:spPr>
           <a:xfrm>
             <a:off x="7995138" y="2379785"/>
-            <a:ext cx="2895600" cy="923330"/>
+            <a:ext cx="2895600" cy="646331"/>
           </a:xfrm>
           <a:prstGeom prst="rect">
             <a:avLst/>
@@ -3794,7 +3794,11 @@
           <a:p>
             <a:r>
               <a:rPr lang="zh-CN" altLang="en-US" dirty="0" smtClean="0"/>
-              <a:t>只要保证参数无误，尤其是</a:t>
+              <a:t>只要保证参数无误</a:t>
+            </a:r>
+            <a:r>
+              <a:rPr lang="zh-CN" altLang="en-US" dirty="0" smtClean="0"/>
+              <a:t>，</a:t>
             </a:r>
             <a:r>
               <a:rPr lang="en-US" altLang="zh-CN" dirty="0" err="1" smtClean="0"/>

--- a/PPT/FFmpeg Demux.pptx
+++ b/PPT/FFmpeg Demux.pptx
@@ -352,7 +352,7 @@
           <p:cNvPr id="5" name="图片 4">
             <a:extLst>
               <a:ext uri="{FF2B5EF4-FFF2-40B4-BE49-F238E27FC236}">
-                <a16:creationId xmlns:a16="http://schemas.microsoft.com/office/drawing/2014/main" xmlns="" id="{D8F29E28-3383-EC4B-8CEE-64C78C70C2B5}"/>
+                <a16:creationId xmlns="" xmlns:a16="http://schemas.microsoft.com/office/drawing/2014/main" id="{D8F29E28-3383-EC4B-8CEE-64C78C70C2B5}"/>
               </a:ext>
             </a:extLst>
           </p:cNvPr>
@@ -647,7 +647,7 @@
           <p:cNvPr id="5" name="组合 4">
             <a:extLst>
               <a:ext uri="{FF2B5EF4-FFF2-40B4-BE49-F238E27FC236}">
-                <a16:creationId xmlns:a16="http://schemas.microsoft.com/office/drawing/2014/main" xmlns="" id="{AB313482-0071-1142-AF54-63A6BE03E425}"/>
+                <a16:creationId xmlns="" xmlns:a16="http://schemas.microsoft.com/office/drawing/2014/main" id="{AB313482-0071-1142-AF54-63A6BE03E425}"/>
               </a:ext>
             </a:extLst>
           </p:cNvPr>
@@ -713,7 +713,7 @@
             <p:cNvPr id="6" name="图片 5">
               <a:extLst>
                 <a:ext uri="{FF2B5EF4-FFF2-40B4-BE49-F238E27FC236}">
-                  <a16:creationId xmlns:a16="http://schemas.microsoft.com/office/drawing/2014/main" xmlns="" id="{7C832BA5-0115-4D4E-89B0-C288AC9F0761}"/>
+                  <a16:creationId xmlns="" xmlns:a16="http://schemas.microsoft.com/office/drawing/2014/main" id="{7C832BA5-0115-4D4E-89B0-C288AC9F0761}"/>
                 </a:ext>
               </a:extLst>
             </p:cNvPr>
@@ -750,7 +750,7 @@
           <p:cNvPr id="9" name="矩形 8">
             <a:extLst>
               <a:ext uri="{FF2B5EF4-FFF2-40B4-BE49-F238E27FC236}">
-                <a16:creationId xmlns:a16="http://schemas.microsoft.com/office/drawing/2014/main" xmlns="" id="{77E86F90-C034-AE42-A96C-4017F6EF3D13}"/>
+                <a16:creationId xmlns="" xmlns:a16="http://schemas.microsoft.com/office/drawing/2014/main" id="{77E86F90-C034-AE42-A96C-4017F6EF3D13}"/>
               </a:ext>
             </a:extLst>
           </p:cNvPr>
@@ -851,7 +851,7 @@
           <p:cNvPr id="5" name="日期占位符 2">
             <a:extLst>
               <a:ext uri="{FF2B5EF4-FFF2-40B4-BE49-F238E27FC236}">
-                <a16:creationId xmlns:a16="http://schemas.microsoft.com/office/drawing/2014/main" xmlns="" id="{37E1FE39-26AF-3A45-906C-07E56C92E547}"/>
+                <a16:creationId xmlns="" xmlns:a16="http://schemas.microsoft.com/office/drawing/2014/main" id="{37E1FE39-26AF-3A45-906C-07E56C92E547}"/>
               </a:ext>
             </a:extLst>
           </p:cNvPr>
@@ -878,7 +878,7 @@
             <a:fld id="{E464397B-F195-431B-A77B-CBC18328D7B0}" type="datetimeFigureOut">
               <a:rPr lang="zh-CN" altLang="en-US" smtClean="0"/>
               <a:pPr/>
-              <a:t>2018/10/17</a:t>
+              <a:t>2018/12/25</a:t>
             </a:fld>
             <a:endParaRPr lang="zh-CN" altLang="en-US"/>
           </a:p>
@@ -889,7 +889,7 @@
           <p:cNvPr id="6" name="页脚占位符 3">
             <a:extLst>
               <a:ext uri="{FF2B5EF4-FFF2-40B4-BE49-F238E27FC236}">
-                <a16:creationId xmlns:a16="http://schemas.microsoft.com/office/drawing/2014/main" xmlns="" id="{8D7B2146-1535-844F-B761-CC457D0E25FE}"/>
+                <a16:creationId xmlns="" xmlns:a16="http://schemas.microsoft.com/office/drawing/2014/main" id="{8D7B2146-1535-844F-B761-CC457D0E25FE}"/>
               </a:ext>
             </a:extLst>
           </p:cNvPr>
@@ -922,7 +922,7 @@
           <p:cNvPr id="7" name="灯片编号占位符 4">
             <a:extLst>
               <a:ext uri="{FF2B5EF4-FFF2-40B4-BE49-F238E27FC236}">
-                <a16:creationId xmlns:a16="http://schemas.microsoft.com/office/drawing/2014/main" xmlns="" id="{B0C92930-71B6-2946-8BD0-E51BC6DB98B9}"/>
+                <a16:creationId xmlns="" xmlns:a16="http://schemas.microsoft.com/office/drawing/2014/main" id="{B0C92930-71B6-2946-8BD0-E51BC6DB98B9}"/>
               </a:ext>
             </a:extLst>
           </p:cNvPr>
@@ -1338,6 +1338,14 @@
           <a:bodyPr/>
           <a:lstStyle/>
           <a:p>
+            <a:r>
+              <a:rPr lang="en-US" altLang="zh-CN" dirty="0" err="1" smtClean="0"/>
+              <a:t>FFmpeg</a:t>
+            </a:r>
+            <a:r>
+              <a:rPr lang="zh-CN" altLang="en-US" dirty="0" smtClean="0"/>
+              <a:t>解复用分析</a:t>
+            </a:r>
             <a:endParaRPr lang="zh-CN" altLang="en-US" dirty="0"/>
           </a:p>
         </p:txBody>
@@ -3794,11 +3802,7 @@
           <a:p>
             <a:r>
               <a:rPr lang="zh-CN" altLang="en-US" dirty="0" smtClean="0"/>
-              <a:t>只要保证参数无误</a:t>
-            </a:r>
-            <a:r>
-              <a:rPr lang="zh-CN" altLang="en-US" dirty="0" smtClean="0"/>
-              <a:t>，</a:t>
+              <a:t>只要保证参数无误，</a:t>
             </a:r>
             <a:r>
               <a:rPr lang="en-US" altLang="zh-CN" dirty="0" err="1" smtClean="0"/>
